--- a/AzureBatch_Slides_KeithJoel.pptx
+++ b/AzureBatch_Slides_KeithJoel.pptx
@@ -7859,7 +7859,20 @@
           <a:p>
             <a:r>
               <a:rPr lang="en-US" dirty="0"/>
-              <a:t>15 minutes (long</a:t>
+              <a:t>15 minutes (part 1): </a:t>
+            </a:r>
+            <a:r>
+              <a:rPr lang="en-US" dirty="0">
+                <a:hlinkClick r:id="rId3"/>
+              </a:rPr>
+              <a:t>https://www.youtube.com/watch?v=vdxz98lB1RY</a:t>
+            </a:r>
+            <a:endParaRPr lang="en-US" dirty="0"/>
+          </a:p>
+          <a:p>
+            <a:r>
+              <a:rPr lang="en-US" dirty="0"/>
+              <a:t>                     (part 2</a:t>
             </a:r>
             <a:r>
               <a:rPr lang="en-US"/>
@@ -7867,9 +7880,9 @@
             </a:r>
             <a:r>
               <a:rPr lang="en-US">
-                <a:hlinkClick r:id="rId3"/>
+                <a:hlinkClick r:id="rId4"/>
               </a:rPr>
-              <a:t>https://www.youtube.com/watch?v=ZiUikK0qqPE</a:t>
+              <a:t>https://www.youtube.com/watch?v=bCZd43rZraE</a:t>
             </a:r>
             <a:endParaRPr lang="en-US" dirty="0"/>
           </a:p>
@@ -7880,7 +7893,7 @@
             </a:r>
             <a:r>
               <a:rPr lang="en-US" dirty="0">
-                <a:hlinkClick r:id="rId4"/>
+                <a:hlinkClick r:id="rId5"/>
               </a:rPr>
               <a:t>https://github.com/jmkeith1303/DeepAzureFinalProject.git</a:t>
             </a:r>
